--- a/Diseño/Prototipos.pptx
+++ b/Diseño/Prototipos.pptx
@@ -13833,8 +13833,8 @@
           </p:blipFill>
           <p:spPr>
             <a:xfrm>
-              <a:off x="108000" y="700505"/>
-              <a:ext cx="11767115" cy="506676"/>
+              <a:off x="113802" y="700505"/>
+              <a:ext cx="11196710" cy="506676"/>
             </a:xfrm>
             <a:prstGeom prst="rect">
               <a:avLst/>
@@ -14088,8 +14088,8 @@
         </p:nvSpPr>
         <p:spPr>
           <a:xfrm>
-            <a:off x="11826772" y="700505"/>
-            <a:ext cx="259366" cy="506676"/>
+            <a:off x="11241115" y="700505"/>
+            <a:ext cx="845023" cy="506676"/>
           </a:xfrm>
           <a:prstGeom prst="rect">
             <a:avLst/>
@@ -15030,43 +15030,43 @@
 
 <file path=customXml/item1.xml><?xml version="1.0" encoding="utf-8"?>
 <Control xmlns="http://schemas.microsoft.com/VisualStudio/2011/storyboarding/control">
-  <Id Name="5d1b3dce-16e1-4d33-a649-35b231ab4c99" Revision="1" Stencil="System.MyShapes" StencilVersion="1.0"/>
+  <Id Name="System.Storyboarding.Common.Text" Revision="1" Stencil="System.Storyboarding.Common" StencilVersion="0.1"/>
 </Control>
 </file>
 
 <file path=customXml/item10.xml><?xml version="1.0" encoding="utf-8"?>
 <Control xmlns="http://schemas.microsoft.com/VisualStudio/2011/storyboarding/control">
-  <Id Name="System.Storyboarding.Icons.User" Revision="1" Stencil="System.Storyboarding.Icons" StencilVersion="0.1"/>
+  <Id Name="126ea32c-c6f2-4e50-82f4-2b9687deaa14" Revision="1" Stencil="System.MyShapes" StencilVersion="1.0"/>
 </Control>
 </file>
 
 <file path=customXml/item11.xml><?xml version="1.0" encoding="utf-8"?>
 <Control xmlns="http://schemas.microsoft.com/VisualStudio/2011/storyboarding/control">
-  <Id Name="System.Storyboarding.WindowsApps.WindowsAppsTileMedium" Revision="1" Stencil="System.Storyboarding.WindowsApps" StencilVersion="0.1"/>
+  <Id Name="System.Storyboarding.Common.Text" Revision="1" Stencil="System.Storyboarding.Common" StencilVersion="0.1"/>
 </Control>
 </file>
 
 <file path=customXml/item12.xml><?xml version="1.0" encoding="utf-8"?>
 <Control xmlns="http://schemas.microsoft.com/VisualStudio/2011/storyboarding/control">
-  <Id Name="System.Storyboarding.Common.Text" Revision="1" Stencil="System.Storyboarding.Common" StencilVersion="0.1"/>
+  <Id Name="126ea32c-c6f2-4e50-82f4-2b9687deaa14" Revision="1" Stencil="System.MyShapes" StencilVersion="1.0"/>
 </Control>
 </file>
 
 <file path=customXml/item13.xml><?xml version="1.0" encoding="utf-8"?>
 <Control xmlns="http://schemas.microsoft.com/VisualStudio/2011/storyboarding/control">
-  <Id Name="System.Storyboarding.Common.Text" Revision="1" Stencil="System.Storyboarding.Common" StencilVersion="0.1"/>
+  <Id Name="9d9c56e0-6ca3-4298-b757-9c73dab947ac" RevisionId="993ea365-49c2-46dc-bf14-e971e460de1e" Stencil="172d6d98-e5c9-42e9-a209-79f7a94bbd38" StencilRevisionId="00000000-0000-0000-0000-000000000000" StencilVersion="0.0"/>
 </Control>
 </file>
 
 <file path=customXml/item14.xml><?xml version="1.0" encoding="utf-8"?>
 <Control xmlns="http://schemas.microsoft.com/VisualStudio/2011/storyboarding/control">
-  <Id Name="57ce005f-4166-4f04-b3e1-8a8b05ea1f06" RevisionId="141682c8-8c74-41ed-b47d-1c2b47fa8f1c" Stencil="172d6d98-e5c9-42e9-a209-79f7a94bbd38" StencilRevisionId="00000000-0000-0000-0000-000000000000" StencilVersion="0.0"/>
+  <Id Name="System.Storyboarding.Common.Text" Revision="1" Stencil="System.Storyboarding.Common" StencilVersion="0.1"/>
 </Control>
 </file>
 
 <file path=customXml/item15.xml><?xml version="1.0" encoding="utf-8"?>
 <Control xmlns="http://schemas.microsoft.com/VisualStudio/2011/storyboarding/control">
-  <Id Name="System.Storyboarding.WindowsAppIcons.Alarm" Revision="1" Stencil="System.Storyboarding.WindowsAppIcons" StencilVersion="0.1"/>
+  <Id Name="System.Storyboarding.Icons.TrashCan" Revision="1" Stencil="System.Storyboarding.Icons" StencilVersion="0.1"/>
 </Control>
 </file>
 
@@ -15078,19 +15078,19 @@
 
 <file path=customXml/item17.xml><?xml version="1.0" encoding="utf-8"?>
 <Control xmlns="http://schemas.microsoft.com/VisualStudio/2011/storyboarding/control">
-  <Id Name="System.Storyboarding.WindowsApps.WindowsAppsTileMedium" Revision="1" Stencil="System.Storyboarding.WindowsApps" StencilVersion="0.1"/>
+  <Id Name="System.Storyboarding.Common.Text" Revision="1" Stencil="System.Storyboarding.Common" StencilVersion="0.1"/>
 </Control>
 </file>
 
 <file path=customXml/item18.xml><?xml version="1.0" encoding="utf-8"?>
 <Control xmlns="http://schemas.microsoft.com/VisualStudio/2011/storyboarding/control">
-  <Id Name="System.Storyboarding.Media.PieChart" Revision="1" Stencil="System.Storyboarding.Media" StencilVersion="0.1"/>
+  <Id Name="System.Storyboarding.WindowsAppIcons.Alarm" Revision="1" Stencil="System.Storyboarding.WindowsAppIcons" StencilVersion="0.1"/>
 </Control>
 </file>
 
 <file path=customXml/item19.xml><?xml version="1.0" encoding="utf-8"?>
 <Control xmlns="http://schemas.microsoft.com/VisualStudio/2011/storyboarding/control">
-  <Id Name="System.Storyboarding.Icons.TrashCan" Revision="1" Stencil="System.Storyboarding.Icons" StencilVersion="0.1"/>
+  <Id Name="System.Storyboarding.Icons.Error" Revision="1" Stencil="System.Storyboarding.Icons" StencilVersion="0.1"/>
 </Control>
 </file>
 
@@ -15102,7 +15102,7 @@
 
 <file path=customXml/item20.xml><?xml version="1.0" encoding="utf-8"?>
 <Control xmlns="http://schemas.microsoft.com/VisualStudio/2011/storyboarding/control">
-  <Id Name="System.Storyboarding.WindowsApps.WindowsAppsTileMedium" Revision="1" Stencil="System.Storyboarding.WindowsApps" StencilVersion="0.1"/>
+  <Id Name="57ce005f-4166-4f04-b3e1-8a8b05ea1f06" RevisionId="141682c8-8c74-41ed-b47d-1c2b47fa8f1c" Stencil="172d6d98-e5c9-42e9-a209-79f7a94bbd38" StencilRevisionId="00000000-0000-0000-0000-000000000000" StencilVersion="0.0"/>
 </Control>
 </file>
 
@@ -15114,13 +15114,13 @@
 
 <file path=customXml/item22.xml><?xml version="1.0" encoding="utf-8"?>
 <Control xmlns="http://schemas.microsoft.com/VisualStudio/2011/storyboarding/control">
-  <Id Name="System.Storyboarding.Common.Text" Revision="1" Stencil="System.Storyboarding.Common" StencilVersion="0.1"/>
+  <Id Name="5d1b3dce-16e1-4d33-a649-35b231ab4c99" Revision="1" Stencil="System.MyShapes" StencilVersion="1.0"/>
 </Control>
 </file>
 
 <file path=customXml/item23.xml><?xml version="1.0" encoding="utf-8"?>
 <Control xmlns="http://schemas.microsoft.com/VisualStudio/2011/storyboarding/control">
-  <Id Name="System.Storyboarding.Icons.TrashCan" Revision="1" Stencil="System.Storyboarding.Icons" StencilVersion="0.1"/>
+  <Id Name="2d0ec6f4-3d74-4898-a25c-e2cd29156f33" Revision="1" Stencil="System.MyShapes" StencilVersion="1.0"/>
 </Control>
 </file>
 
@@ -15132,97 +15132,97 @@
 
 <file path=customXml/item25.xml><?xml version="1.0" encoding="utf-8"?>
 <Control xmlns="http://schemas.microsoft.com/VisualStudio/2011/storyboarding/control">
-  <Id Name="5d1b3dce-16e1-4d33-a649-35b231ab4c99" Revision="1" Stencil="System.MyShapes" StencilVersion="1.0"/>
+  <Id Name="2d0ec6f4-3d74-4898-a25c-e2cd29156f33" Revision="1" Stencil="System.MyShapes" StencilVersion="1.0"/>
 </Control>
 </file>
 
 <file path=customXml/item26.xml><?xml version="1.0" encoding="utf-8"?>
 <Control xmlns="http://schemas.microsoft.com/VisualStudio/2011/storyboarding/control">
-  <Id Name="System.Storyboarding.Common.Text" Revision="1" Stencil="System.Storyboarding.Common" StencilVersion="0.1"/>
+  <Id Name="126ea32c-c6f2-4e50-82f4-2b9687deaa14" Revision="1" Stencil="System.MyShapes" StencilVersion="1.0"/>
 </Control>
 </file>
 
 <file path=customXml/item27.xml><?xml version="1.0" encoding="utf-8"?>
 <Control xmlns="http://schemas.microsoft.com/VisualStudio/2011/storyboarding/control">
-  <Id Name="System.Storyboarding.WindowsAppIcons.Alarm" Revision="1" Stencil="System.Storyboarding.WindowsAppIcons" StencilVersion="0.1"/>
+  <Id Name="System.Storyboarding.Common.Text" Revision="1" Stencil="System.Storyboarding.Common" StencilVersion="0.1"/>
 </Control>
 </file>
 
 <file path=customXml/item28.xml><?xml version="1.0" encoding="utf-8"?>
 <Control xmlns="http://schemas.microsoft.com/VisualStudio/2011/storyboarding/control">
-  <Id Name="System.Storyboarding.WindowsAppIcons.Rotate" Revision="1" Stencil="System.Storyboarding.WindowsAppIcons" StencilVersion="0.1"/>
+  <Id Name="System.Storyboarding.WindowsApps.WindowsAppsTileMedium" Revision="1" Stencil="System.Storyboarding.WindowsApps" StencilVersion="0.1"/>
 </Control>
 </file>
 
 <file path=customXml/item29.xml><?xml version="1.0" encoding="utf-8"?>
 <Control xmlns="http://schemas.microsoft.com/VisualStudio/2011/storyboarding/control">
-  <Id Name="System.Storyboarding.Common.Text" Revision="1" Stencil="System.Storyboarding.Common" StencilVersion="0.1"/>
+  <Id Name="5d1b3dce-16e1-4d33-a649-35b231ab4c99" Revision="1" Stencil="System.MyShapes" StencilVersion="1.0"/>
 </Control>
 </file>
 
 <file path=customXml/item3.xml><?xml version="1.0" encoding="utf-8"?>
 <Control xmlns="http://schemas.microsoft.com/VisualStudio/2011/storyboarding/control">
-  <Id Name="126ea32c-c6f2-4e50-82f4-2b9687deaa14" Revision="1" Stencil="System.MyShapes" StencilVersion="1.0"/>
+  <Id Name="System.Storyboarding.Common.Text" Revision="1" Stencil="System.Storyboarding.Common" StencilVersion="0.1"/>
 </Control>
 </file>
 
 <file path=customXml/item30.xml><?xml version="1.0" encoding="utf-8"?>
 <Control xmlns="http://schemas.microsoft.com/VisualStudio/2011/storyboarding/control">
-  <Id Name="System.Storyboarding.Icons.Error" Revision="1" Stencil="System.Storyboarding.Icons" StencilVersion="0.1"/>
+  <Id Name="System.Storyboarding.WindowsAppIcons.Alarm" Revision="1" Stencil="System.Storyboarding.WindowsAppIcons" StencilVersion="0.1"/>
 </Control>
 </file>
 
 <file path=customXml/item31.xml><?xml version="1.0" encoding="utf-8"?>
 <Control xmlns="http://schemas.microsoft.com/VisualStudio/2011/storyboarding/control">
-  <Id Name="System.Storyboarding.Common.Text" Revision="1" Stencil="System.Storyboarding.Common" StencilVersion="0.1"/>
+  <Id Name="System.Storyboarding.Media.PieChart" Revision="1" Stencil="System.Storyboarding.Media" StencilVersion="0.1"/>
 </Control>
 </file>
 
 <file path=customXml/item32.xml><?xml version="1.0" encoding="utf-8"?>
 <Control xmlns="http://schemas.microsoft.com/VisualStudio/2011/storyboarding/control">
-  <Id Name="System.Storyboarding.Common.Text" Revision="1" Stencil="System.Storyboarding.Common" StencilVersion="0.1"/>
+  <Id Name="126ea32c-c6f2-4e50-82f4-2b9687deaa14" Revision="1" Stencil="System.MyShapes" StencilVersion="1.0"/>
 </Control>
 </file>
 
 <file path=customXml/item33.xml><?xml version="1.0" encoding="utf-8"?>
 <Control xmlns="http://schemas.microsoft.com/VisualStudio/2011/storyboarding/control">
-  <Id Name="System.Storyboarding.WindowsAppIcons.Alarm" Revision="1" Stencil="System.Storyboarding.WindowsAppIcons" StencilVersion="0.1"/>
+  <Id Name="System.Storyboarding.Common.Text" Revision="1" Stencil="System.Storyboarding.Common" StencilVersion="0.1"/>
 </Control>
 </file>
 
 <file path=customXml/item34.xml><?xml version="1.0" encoding="utf-8"?>
 <Control xmlns="http://schemas.microsoft.com/VisualStudio/2011/storyboarding/control">
-  <Id Name="System.Storyboarding.WindowsAppIcons.Alarm" Revision="1" Stencil="System.Storyboarding.WindowsAppIcons" StencilVersion="0.1"/>
+  <Id Name="System.Storyboarding.WindowsApps.WindowsAppsTileMedium" Revision="1" Stencil="System.Storyboarding.WindowsApps" StencilVersion="0.1"/>
 </Control>
 </file>
 
 <file path=customXml/item35.xml><?xml version="1.0" encoding="utf-8"?>
 <Control xmlns="http://schemas.microsoft.com/VisualStudio/2011/storyboarding/control">
-  <Id Name="57ce005f-4166-4f04-b3e1-8a8b05ea1f06" RevisionId="141682c8-8c74-41ed-b47d-1c2b47fa8f1c" Stencil="172d6d98-e5c9-42e9-a209-79f7a94bbd38" StencilRevisionId="00000000-0000-0000-0000-000000000000" StencilVersion="0.0"/>
+  <Id Name="System.Storyboarding.Icons.File" Revision="1" Stencil="System.Storyboarding.Icons" StencilVersion="0.1"/>
 </Control>
 </file>
 
 <file path=customXml/item36.xml><?xml version="1.0" encoding="utf-8"?>
 <Control xmlns="http://schemas.microsoft.com/VisualStudio/2011/storyboarding/control">
-  <Id Name="126ea32c-c6f2-4e50-82f4-2b9687deaa14" Revision="1" Stencil="System.MyShapes" StencilVersion="1.0"/>
+  <Id Name="2d0ec6f4-3d74-4898-a25c-e2cd29156f33" Revision="1" Stencil="System.MyShapes" StencilVersion="1.0"/>
 </Control>
 </file>
 
 <file path=customXml/item37.xml><?xml version="1.0" encoding="utf-8"?>
 <Control xmlns="http://schemas.microsoft.com/VisualStudio/2011/storyboarding/control">
-  <Id Name="System.Storyboarding.Common.Text" Revision="1" Stencil="System.Storyboarding.Common" StencilVersion="0.1"/>
+  <Id Name="126ea32c-c6f2-4e50-82f4-2b9687deaa14" Revision="1" Stencil="System.MyShapes" StencilVersion="1.0"/>
 </Control>
 </file>
 
 <file path=customXml/item38.xml><?xml version="1.0" encoding="utf-8"?>
 <Control xmlns="http://schemas.microsoft.com/VisualStudio/2011/storyboarding/control">
-  <Id Name="System.Storyboarding.Media.PieChart" Revision="1" Stencil="System.Storyboarding.Media" StencilVersion="0.1"/>
+  <Id Name="5d1b3dce-16e1-4d33-a649-35b231ab4c99" Revision="1" Stencil="System.MyShapes" StencilVersion="1.0"/>
 </Control>
 </file>
 
 <file path=customXml/item39.xml><?xml version="1.0" encoding="utf-8"?>
 <Control xmlns="http://schemas.microsoft.com/VisualStudio/2011/storyboarding/control">
-  <Id Name="System.Storyboarding.Icons.User" Revision="1" Stencil="System.Storyboarding.Icons" StencilVersion="0.1"/>
+  <Id Name="System.Storyboarding.WindowsAppIcons.Check" Revision="1" Stencil="System.Storyboarding.WindowsAppIcons" StencilVersion="0.1"/>
 </Control>
 </file>
 
@@ -15234,43 +15234,43 @@
 
 <file path=customXml/item40.xml><?xml version="1.0" encoding="utf-8"?>
 <Control xmlns="http://schemas.microsoft.com/VisualStudio/2011/storyboarding/control">
-  <Id Name="System.Storyboarding.Common.Text" Revision="1" Stencil="System.Storyboarding.Common" StencilVersion="0.1"/>
+  <Id Name="System.Storyboarding.WindowsAppIcons.Alarm" Revision="1" Stencil="System.Storyboarding.WindowsAppIcons" StencilVersion="0.1"/>
 </Control>
 </file>
 
 <file path=customXml/item41.xml><?xml version="1.0" encoding="utf-8"?>
 <Control xmlns="http://schemas.microsoft.com/VisualStudio/2011/storyboarding/control">
-  <Id Name="System.Storyboarding.Icons.File" Revision="1" Stencil="System.Storyboarding.Icons" StencilVersion="0.1"/>
+  <Id Name="System.Storyboarding.Icons.TrashCan" Revision="1" Stencil="System.Storyboarding.Icons" StencilVersion="0.1"/>
 </Control>
 </file>
 
 <file path=customXml/item42.xml><?xml version="1.0" encoding="utf-8"?>
 <Control xmlns="http://schemas.microsoft.com/VisualStudio/2011/storyboarding/control">
-  <Id Name="System.Storyboarding.Common.Text" Revision="1" Stencil="System.Storyboarding.Common" StencilVersion="0.1"/>
+  <Id Name="System.Storyboarding.WindowsAppIcons.Rotate" Revision="1" Stencil="System.Storyboarding.WindowsAppIcons" StencilVersion="0.1"/>
 </Control>
 </file>
 
 <file path=customXml/item43.xml><?xml version="1.0" encoding="utf-8"?>
 <Control xmlns="http://schemas.microsoft.com/VisualStudio/2011/storyboarding/control">
-  <Id Name="System.Storyboarding.Common.Text" Revision="1" Stencil="System.Storyboarding.Common" StencilVersion="0.1"/>
+  <Id Name="126ea32c-c6f2-4e50-82f4-2b9687deaa14" Revision="1" Stencil="System.MyShapes" StencilVersion="1.0"/>
 </Control>
 </file>
 
 <file path=customXml/item44.xml><?xml version="1.0" encoding="utf-8"?>
 <Control xmlns="http://schemas.microsoft.com/VisualStudio/2011/storyboarding/control">
-  <Id Name="126ea32c-c6f2-4e50-82f4-2b9687deaa14" Revision="1" Stencil="System.MyShapes" StencilVersion="1.0"/>
+  <Id Name="5d1b3dce-16e1-4d33-a649-35b231ab4c99" Revision="1" Stencil="System.MyShapes" StencilVersion="1.0"/>
 </Control>
 </file>
 
 <file path=customXml/item45.xml><?xml version="1.0" encoding="utf-8"?>
 <Control xmlns="http://schemas.microsoft.com/VisualStudio/2011/storyboarding/control">
-  <Id Name="126ea32c-c6f2-4e50-82f4-2b9687deaa14" Revision="1" Stencil="System.MyShapes" StencilVersion="1.0"/>
+  <Id Name="System.Storyboarding.Common.Text" Revision="1" Stencil="System.Storyboarding.Common" StencilVersion="0.1"/>
 </Control>
 </file>
 
 <file path=customXml/item46.xml><?xml version="1.0" encoding="utf-8"?>
 <Control xmlns="http://schemas.microsoft.com/VisualStudio/2011/storyboarding/control">
-  <Id Name="126ea32c-c6f2-4e50-82f4-2b9687deaa14" Revision="1" Stencil="System.MyShapes" StencilVersion="1.0"/>
+  <Id Name="System.Storyboarding.Icons.User" Revision="1" Stencil="System.Storyboarding.Icons" StencilVersion="0.1"/>
 </Control>
 </file>
 
@@ -15282,37 +15282,37 @@
 
 <file path=customXml/item48.xml><?xml version="1.0" encoding="utf-8"?>
 <Control xmlns="http://schemas.microsoft.com/VisualStudio/2011/storyboarding/control">
-  <Id Name="5d1b3dce-16e1-4d33-a649-35b231ab4c99" Revision="1" Stencil="System.MyShapes" StencilVersion="1.0"/>
+  <Id Name="126ea32c-c6f2-4e50-82f4-2b9687deaa14" Revision="1" Stencil="System.MyShapes" StencilVersion="1.0"/>
 </Control>
 </file>
 
 <file path=customXml/item49.xml><?xml version="1.0" encoding="utf-8"?>
 <Control xmlns="http://schemas.microsoft.com/VisualStudio/2011/storyboarding/control">
-  <Id Name="5d1b3dce-16e1-4d33-a649-35b231ab4c99" Revision="1" Stencil="System.MyShapes" StencilVersion="1.0"/>
+  <Id Name="2d0ec6f4-3d74-4898-a25c-e2cd29156f33" Revision="1" Stencil="System.MyShapes" StencilVersion="1.0"/>
 </Control>
 </file>
 
 <file path=customXml/item5.xml><?xml version="1.0" encoding="utf-8"?>
 <Control xmlns="http://schemas.microsoft.com/VisualStudio/2011/storyboarding/control">
-  <Id Name="9d9c56e0-6ca3-4298-b757-9c73dab947ac" RevisionId="993ea365-49c2-46dc-bf14-e971e460de1e" Stencil="172d6d98-e5c9-42e9-a209-79f7a94bbd38" StencilRevisionId="00000000-0000-0000-0000-000000000000" StencilVersion="0.0"/>
+  <Id Name="System.Storyboarding.WindowsApps.WindowsAppsTileMedium" Revision="1" Stencil="System.Storyboarding.WindowsApps" StencilVersion="0.1"/>
 </Control>
 </file>
 
 <file path=customXml/item50.xml><?xml version="1.0" encoding="utf-8"?>
 <Control xmlns="http://schemas.microsoft.com/VisualStudio/2011/storyboarding/control">
-  <Id Name="System.Storyboarding.Common.Text" Revision="1" Stencil="System.Storyboarding.Common" StencilVersion="0.1"/>
+  <Id Name="126ea32c-c6f2-4e50-82f4-2b9687deaa14" Revision="1" Stencil="System.MyShapes" StencilVersion="1.0"/>
 </Control>
 </file>
 
 <file path=customXml/item51.xml><?xml version="1.0" encoding="utf-8"?>
 <Control xmlns="http://schemas.microsoft.com/VisualStudio/2011/storyboarding/control">
-  <Id Name="2d0ec6f4-3d74-4898-a25c-e2cd29156f33" Revision="1" Stencil="System.MyShapes" StencilVersion="1.0"/>
+  <Id Name="57ce005f-4166-4f04-b3e1-8a8b05ea1f06" RevisionId="141682c8-8c74-41ed-b47d-1c2b47fa8f1c" Stencil="172d6d98-e5c9-42e9-a209-79f7a94bbd38" StencilRevisionId="00000000-0000-0000-0000-000000000000" StencilVersion="0.0"/>
 </Control>
 </file>
 
 <file path=customXml/item52.xml><?xml version="1.0" encoding="utf-8"?>
 <Control xmlns="http://schemas.microsoft.com/VisualStudio/2011/storyboarding/control">
-  <Id Name="2d0ec6f4-3d74-4898-a25c-e2cd29156f33" Revision="1" Stencil="System.MyShapes" StencilVersion="1.0"/>
+  <Id Name="System.Storyboarding.WindowsApps.WindowsAppsTileMedium" Revision="1" Stencil="System.Storyboarding.WindowsApps" StencilVersion="0.1"/>
 </Control>
 </file>
 
@@ -15324,19 +15324,19 @@
 
 <file path=customXml/item54.xml><?xml version="1.0" encoding="utf-8"?>
 <Control xmlns="http://schemas.microsoft.com/VisualStudio/2011/storyboarding/control">
-  <Id Name="2d0ec6f4-3d74-4898-a25c-e2cd29156f33" Revision="1" Stencil="System.MyShapes" StencilVersion="1.0"/>
+  <Id Name="System.Storyboarding.Media.PieChart" Revision="1" Stencil="System.Storyboarding.Media" StencilVersion="0.1"/>
 </Control>
 </file>
 
 <file path=customXml/item55.xml><?xml version="1.0" encoding="utf-8"?>
 <Control xmlns="http://schemas.microsoft.com/VisualStudio/2011/storyboarding/control">
-  <Id Name="System.Storyboarding.Common.Text" Revision="1" Stencil="System.Storyboarding.Common" StencilVersion="0.1"/>
+  <Id Name="System.Storyboarding.Icons.User" Revision="1" Stencil="System.Storyboarding.Icons" StencilVersion="0.1"/>
 </Control>
 </file>
 
 <file path=customXml/item56.xml><?xml version="1.0" encoding="utf-8"?>
 <Control xmlns="http://schemas.microsoft.com/VisualStudio/2011/storyboarding/control">
-  <Id Name="2d0ec6f4-3d74-4898-a25c-e2cd29156f33" Revision="1" Stencil="System.MyShapes" StencilVersion="1.0"/>
+  <Id Name="System.Storyboarding.WindowsAppIcons.Alarm" Revision="1" Stencil="System.Storyboarding.WindowsAppIcons" StencilVersion="0.1"/>
 </Control>
 </file>
 
@@ -15348,7 +15348,7 @@
 
 <file path=customXml/item58.xml><?xml version="1.0" encoding="utf-8"?>
 <Control xmlns="http://schemas.microsoft.com/VisualStudio/2011/storyboarding/control">
-  <Id Name="126ea32c-c6f2-4e50-82f4-2b9687deaa14" Revision="1" Stencil="System.MyShapes" StencilVersion="1.0"/>
+  <Id Name="System.Storyboarding.Common.Text" Revision="1" Stencil="System.Storyboarding.Common" StencilVersion="0.1"/>
 </Control>
 </file>
 
@@ -15360,13 +15360,13 @@
 
 <file path=customXml/item6.xml><?xml version="1.0" encoding="utf-8"?>
 <Control xmlns="http://schemas.microsoft.com/VisualStudio/2011/storyboarding/control">
-  <Id Name="System.Storyboarding.WindowsAppIcons.Check" Revision="1" Stencil="System.Storyboarding.WindowsAppIcons" StencilVersion="0.1"/>
+  <Id Name="System.Storyboarding.Icons.User" Revision="1" Stencil="System.Storyboarding.Icons" StencilVersion="0.1"/>
 </Control>
 </file>
 
 <file path=customXml/item60.xml><?xml version="1.0" encoding="utf-8"?>
 <Control xmlns="http://schemas.microsoft.com/VisualStudio/2011/storyboarding/control">
-  <Id Name="126ea32c-c6f2-4e50-82f4-2b9687deaa14" Revision="1" Stencil="System.MyShapes" StencilVersion="1.0"/>
+  <Id Name="System.Storyboarding.Common.Text" Revision="1" Stencil="System.Storyboarding.Common" StencilVersion="0.1"/>
 </Control>
 </file>
 
@@ -15378,7 +15378,7 @@
 
 <file path=customXml/item62.xml><?xml version="1.0" encoding="utf-8"?>
 <Control xmlns="http://schemas.microsoft.com/VisualStudio/2011/storyboarding/control">
-  <Id Name="126ea32c-c6f2-4e50-82f4-2b9687deaa14" Revision="1" Stencil="System.MyShapes" StencilVersion="1.0"/>
+  <Id Name="System.Storyboarding.Common.Text" Revision="1" Stencil="System.Storyboarding.Common" StencilVersion="0.1"/>
 </Control>
 </file>
 
@@ -15396,17 +15396,265 @@
 
 <file path=customXml/item8.xml><?xml version="1.0" encoding="utf-8"?>
 <Control xmlns="http://schemas.microsoft.com/VisualStudio/2011/storyboarding/control">
-  <Id Name="System.Storyboarding.Icons.User" Revision="1" Stencil="System.Storyboarding.Icons" StencilVersion="0.1"/>
+  <Id Name="System.Storyboarding.Common.Text" Revision="1" Stencil="System.Storyboarding.Common" StencilVersion="0.1"/>
 </Control>
 </file>
 
 <file path=customXml/item9.xml><?xml version="1.0" encoding="utf-8"?>
 <Control xmlns="http://schemas.microsoft.com/VisualStudio/2011/storyboarding/control">
-  <Id Name="System.Storyboarding.WindowsApps.WindowsAppsTileMedium" Revision="1" Stencil="System.Storyboarding.WindowsApps" StencilVersion="0.1"/>
+  <Id Name="System.Storyboarding.Common.Text" Revision="1" Stencil="System.Storyboarding.Common" StencilVersion="0.1"/>
 </Control>
 </file>
 
 <file path=customXml/itemProps1.xml><?xml version="1.0" encoding="utf-8"?>
+<ds:datastoreItem xmlns:ds="http://schemas.openxmlformats.org/officeDocument/2006/customXml" ds:itemID="{98142ACB-60DB-4029-908F-E8B8504E8B6F}">
+  <ds:schemaRefs>
+    <ds:schemaRef ds:uri="http://schemas.microsoft.com/VisualStudio/2011/storyboarding/control"/>
+  </ds:schemaRefs>
+</ds:datastoreItem>
+</file>
+
+<file path=customXml/itemProps10.xml><?xml version="1.0" encoding="utf-8"?>
+<ds:datastoreItem xmlns:ds="http://schemas.openxmlformats.org/officeDocument/2006/customXml" ds:itemID="{D621E6CD-0D22-4A1E-97CB-AEEEEE4298E5}">
+  <ds:schemaRefs>
+    <ds:schemaRef ds:uri="http://schemas.microsoft.com/VisualStudio/2011/storyboarding/control"/>
+  </ds:schemaRefs>
+</ds:datastoreItem>
+</file>
+
+<file path=customXml/itemProps11.xml><?xml version="1.0" encoding="utf-8"?>
+<ds:datastoreItem xmlns:ds="http://schemas.openxmlformats.org/officeDocument/2006/customXml" ds:itemID="{562638B4-7819-4933-B248-7ABE38A496B4}">
+  <ds:schemaRefs>
+    <ds:schemaRef ds:uri="http://schemas.microsoft.com/VisualStudio/2011/storyboarding/control"/>
+  </ds:schemaRefs>
+</ds:datastoreItem>
+</file>
+
+<file path=customXml/itemProps12.xml><?xml version="1.0" encoding="utf-8"?>
+<ds:datastoreItem xmlns:ds="http://schemas.openxmlformats.org/officeDocument/2006/customXml" ds:itemID="{4A87B249-833C-4DA0-9511-804146F89CA5}">
+  <ds:schemaRefs>
+    <ds:schemaRef ds:uri="http://schemas.microsoft.com/VisualStudio/2011/storyboarding/control"/>
+  </ds:schemaRefs>
+</ds:datastoreItem>
+</file>
+
+<file path=customXml/itemProps13.xml><?xml version="1.0" encoding="utf-8"?>
+<ds:datastoreItem xmlns:ds="http://schemas.openxmlformats.org/officeDocument/2006/customXml" ds:itemID="{926E78DC-B678-46CB-8E24-9F3927443C3F}">
+  <ds:schemaRefs>
+    <ds:schemaRef ds:uri="http://schemas.microsoft.com/VisualStudio/2011/storyboarding/control"/>
+  </ds:schemaRefs>
+</ds:datastoreItem>
+</file>
+
+<file path=customXml/itemProps14.xml><?xml version="1.0" encoding="utf-8"?>
+<ds:datastoreItem xmlns:ds="http://schemas.openxmlformats.org/officeDocument/2006/customXml" ds:itemID="{FD59F9C9-F7A5-43BE-9011-092DA44F79C5}">
+  <ds:schemaRefs>
+    <ds:schemaRef ds:uri="http://schemas.microsoft.com/VisualStudio/2011/storyboarding/control"/>
+  </ds:schemaRefs>
+</ds:datastoreItem>
+</file>
+
+<file path=customXml/itemProps15.xml><?xml version="1.0" encoding="utf-8"?>
+<ds:datastoreItem xmlns:ds="http://schemas.openxmlformats.org/officeDocument/2006/customXml" ds:itemID="{E737FDEF-40F4-4E7F-8906-B695DDB9E842}">
+  <ds:schemaRefs>
+    <ds:schemaRef ds:uri="http://schemas.microsoft.com/VisualStudio/2011/storyboarding/control"/>
+  </ds:schemaRefs>
+</ds:datastoreItem>
+</file>
+
+<file path=customXml/itemProps16.xml><?xml version="1.0" encoding="utf-8"?>
+<ds:datastoreItem xmlns:ds="http://schemas.openxmlformats.org/officeDocument/2006/customXml" ds:itemID="{0CB8179D-6536-4D52-B4E0-E37F1F2C04F3}">
+  <ds:schemaRefs>
+    <ds:schemaRef ds:uri="http://schemas.microsoft.com/VisualStudio/2011/storyboarding/control"/>
+  </ds:schemaRefs>
+</ds:datastoreItem>
+</file>
+
+<file path=customXml/itemProps17.xml><?xml version="1.0" encoding="utf-8"?>
+<ds:datastoreItem xmlns:ds="http://schemas.openxmlformats.org/officeDocument/2006/customXml" ds:itemID="{15ECF5F7-E791-450D-BC94-AA324BF64C0C}">
+  <ds:schemaRefs>
+    <ds:schemaRef ds:uri="http://schemas.microsoft.com/VisualStudio/2011/storyboarding/control"/>
+  </ds:schemaRefs>
+</ds:datastoreItem>
+</file>
+
+<file path=customXml/itemProps18.xml><?xml version="1.0" encoding="utf-8"?>
+<ds:datastoreItem xmlns:ds="http://schemas.openxmlformats.org/officeDocument/2006/customXml" ds:itemID="{F11EDF21-B900-4649-8DEB-3D36B8BA2214}">
+  <ds:schemaRefs>
+    <ds:schemaRef ds:uri="http://schemas.microsoft.com/VisualStudio/2011/storyboarding/control"/>
+  </ds:schemaRefs>
+</ds:datastoreItem>
+</file>
+
+<file path=customXml/itemProps19.xml><?xml version="1.0" encoding="utf-8"?>
+<ds:datastoreItem xmlns:ds="http://schemas.openxmlformats.org/officeDocument/2006/customXml" ds:itemID="{243C2674-6529-4818-973E-D74896A24EAF}">
+  <ds:schemaRefs>
+    <ds:schemaRef ds:uri="http://schemas.microsoft.com/VisualStudio/2011/storyboarding/control"/>
+  </ds:schemaRefs>
+</ds:datastoreItem>
+</file>
+
+<file path=customXml/itemProps2.xml><?xml version="1.0" encoding="utf-8"?>
+<ds:datastoreItem xmlns:ds="http://schemas.openxmlformats.org/officeDocument/2006/customXml" ds:itemID="{0713B288-483D-4976-BEDF-38C3A3A05BE7}">
+  <ds:schemaRefs>
+    <ds:schemaRef ds:uri="http://schemas.microsoft.com/VisualStudio/2011/storyboarding/control"/>
+  </ds:schemaRefs>
+</ds:datastoreItem>
+</file>
+
+<file path=customXml/itemProps20.xml><?xml version="1.0" encoding="utf-8"?>
+<ds:datastoreItem xmlns:ds="http://schemas.openxmlformats.org/officeDocument/2006/customXml" ds:itemID="{9FD4CDD7-7CDB-4ECB-BFAF-249F6020DCB3}">
+  <ds:schemaRefs>
+    <ds:schemaRef ds:uri="http://schemas.microsoft.com/VisualStudio/2011/storyboarding/control"/>
+  </ds:schemaRefs>
+</ds:datastoreItem>
+</file>
+
+<file path=customXml/itemProps21.xml><?xml version="1.0" encoding="utf-8"?>
+<ds:datastoreItem xmlns:ds="http://schemas.openxmlformats.org/officeDocument/2006/customXml" ds:itemID="{E8B23EE4-9F7D-4ECC-91A2-FC82117F32AC}">
+  <ds:schemaRefs>
+    <ds:schemaRef ds:uri="http://schemas.microsoft.com/VisualStudio/2011/storyboarding/control"/>
+  </ds:schemaRefs>
+</ds:datastoreItem>
+</file>
+
+<file path=customXml/itemProps22.xml><?xml version="1.0" encoding="utf-8"?>
+<ds:datastoreItem xmlns:ds="http://schemas.openxmlformats.org/officeDocument/2006/customXml" ds:itemID="{DC087CE6-C98F-430D-881D-B848274368C4}">
+  <ds:schemaRefs>
+    <ds:schemaRef ds:uri="http://schemas.microsoft.com/VisualStudio/2011/storyboarding/control"/>
+  </ds:schemaRefs>
+</ds:datastoreItem>
+</file>
+
+<file path=customXml/itemProps23.xml><?xml version="1.0" encoding="utf-8"?>
+<ds:datastoreItem xmlns:ds="http://schemas.openxmlformats.org/officeDocument/2006/customXml" ds:itemID="{3C692A4F-1301-4CE9-933F-1FC3082B09C3}">
+  <ds:schemaRefs>
+    <ds:schemaRef ds:uri="http://schemas.microsoft.com/VisualStudio/2011/storyboarding/control"/>
+  </ds:schemaRefs>
+</ds:datastoreItem>
+</file>
+
+<file path=customXml/itemProps24.xml><?xml version="1.0" encoding="utf-8"?>
+<ds:datastoreItem xmlns:ds="http://schemas.openxmlformats.org/officeDocument/2006/customXml" ds:itemID="{AA9C0B40-9D47-4FFB-967E-27ED57125099}">
+  <ds:schemaRefs>
+    <ds:schemaRef ds:uri="http://schemas.microsoft.com/VisualStudio/2011/storyboarding/control"/>
+  </ds:schemaRefs>
+</ds:datastoreItem>
+</file>
+
+<file path=customXml/itemProps25.xml><?xml version="1.0" encoding="utf-8"?>
+<ds:datastoreItem xmlns:ds="http://schemas.openxmlformats.org/officeDocument/2006/customXml" ds:itemID="{5C65E107-610F-4CF5-BD54-E9B82D8562E4}">
+  <ds:schemaRefs>
+    <ds:schemaRef ds:uri="http://schemas.microsoft.com/VisualStudio/2011/storyboarding/control"/>
+  </ds:schemaRefs>
+</ds:datastoreItem>
+</file>
+
+<file path=customXml/itemProps26.xml><?xml version="1.0" encoding="utf-8"?>
+<ds:datastoreItem xmlns:ds="http://schemas.openxmlformats.org/officeDocument/2006/customXml" ds:itemID="{EB4B08B3-2602-4825-BBE5-ED1F4CD9242F}">
+  <ds:schemaRefs>
+    <ds:schemaRef ds:uri="http://schemas.microsoft.com/VisualStudio/2011/storyboarding/control"/>
+  </ds:schemaRefs>
+</ds:datastoreItem>
+</file>
+
+<file path=customXml/itemProps27.xml><?xml version="1.0" encoding="utf-8"?>
+<ds:datastoreItem xmlns:ds="http://schemas.openxmlformats.org/officeDocument/2006/customXml" ds:itemID="{39E9BA00-753A-4B28-AEC4-3BB8AA907BE6}">
+  <ds:schemaRefs>
+    <ds:schemaRef ds:uri="http://schemas.microsoft.com/VisualStudio/2011/storyboarding/control"/>
+  </ds:schemaRefs>
+</ds:datastoreItem>
+</file>
+
+<file path=customXml/itemProps28.xml><?xml version="1.0" encoding="utf-8"?>
+<ds:datastoreItem xmlns:ds="http://schemas.openxmlformats.org/officeDocument/2006/customXml" ds:itemID="{F0233488-C0C0-4BC5-A6DA-6C23A9ADE8D4}">
+  <ds:schemaRefs>
+    <ds:schemaRef ds:uri="http://schemas.microsoft.com/VisualStudio/2011/storyboarding/control"/>
+  </ds:schemaRefs>
+</ds:datastoreItem>
+</file>
+
+<file path=customXml/itemProps29.xml><?xml version="1.0" encoding="utf-8"?>
+<ds:datastoreItem xmlns:ds="http://schemas.openxmlformats.org/officeDocument/2006/customXml" ds:itemID="{F250B374-A83E-4135-9D42-199EBBB039FF}">
+  <ds:schemaRefs>
+    <ds:schemaRef ds:uri="http://schemas.microsoft.com/VisualStudio/2011/storyboarding/control"/>
+  </ds:schemaRefs>
+</ds:datastoreItem>
+</file>
+
+<file path=customXml/itemProps3.xml><?xml version="1.0" encoding="utf-8"?>
+<ds:datastoreItem xmlns:ds="http://schemas.openxmlformats.org/officeDocument/2006/customXml" ds:itemID="{22F6594B-D122-43AB-ADA5-C6805282C936}">
+  <ds:schemaRefs>
+    <ds:schemaRef ds:uri="http://schemas.microsoft.com/VisualStudio/2011/storyboarding/control"/>
+  </ds:schemaRefs>
+</ds:datastoreItem>
+</file>
+
+<file path=customXml/itemProps30.xml><?xml version="1.0" encoding="utf-8"?>
+<ds:datastoreItem xmlns:ds="http://schemas.openxmlformats.org/officeDocument/2006/customXml" ds:itemID="{6981151A-B947-4106-95E9-22C1B1561CE6}">
+  <ds:schemaRefs>
+    <ds:schemaRef ds:uri="http://schemas.microsoft.com/VisualStudio/2011/storyboarding/control"/>
+  </ds:schemaRefs>
+</ds:datastoreItem>
+</file>
+
+<file path=customXml/itemProps31.xml><?xml version="1.0" encoding="utf-8"?>
+<ds:datastoreItem xmlns:ds="http://schemas.openxmlformats.org/officeDocument/2006/customXml" ds:itemID="{E5393C5F-35C3-40F6-9431-39C9AC993954}">
+  <ds:schemaRefs>
+    <ds:schemaRef ds:uri="http://schemas.microsoft.com/VisualStudio/2011/storyboarding/control"/>
+  </ds:schemaRefs>
+</ds:datastoreItem>
+</file>
+
+<file path=customXml/itemProps32.xml><?xml version="1.0" encoding="utf-8"?>
+<ds:datastoreItem xmlns:ds="http://schemas.openxmlformats.org/officeDocument/2006/customXml" ds:itemID="{83CF953A-F248-4337-8F95-1BBD4A88BF1C}">
+  <ds:schemaRefs>
+    <ds:schemaRef ds:uri="http://schemas.microsoft.com/VisualStudio/2011/storyboarding/control"/>
+  </ds:schemaRefs>
+</ds:datastoreItem>
+</file>
+
+<file path=customXml/itemProps33.xml><?xml version="1.0" encoding="utf-8"?>
+<ds:datastoreItem xmlns:ds="http://schemas.openxmlformats.org/officeDocument/2006/customXml" ds:itemID="{500FE9D4-7895-4632-B84D-09AFEFC86DD4}">
+  <ds:schemaRefs>
+    <ds:schemaRef ds:uri="http://schemas.microsoft.com/VisualStudio/2011/storyboarding/control"/>
+  </ds:schemaRefs>
+</ds:datastoreItem>
+</file>
+
+<file path=customXml/itemProps34.xml><?xml version="1.0" encoding="utf-8"?>
+<ds:datastoreItem xmlns:ds="http://schemas.openxmlformats.org/officeDocument/2006/customXml" ds:itemID="{7681CA5C-EFAA-4E4E-B9B2-DCD72615066C}">
+  <ds:schemaRefs>
+    <ds:schemaRef ds:uri="http://schemas.microsoft.com/VisualStudio/2011/storyboarding/control"/>
+  </ds:schemaRefs>
+</ds:datastoreItem>
+</file>
+
+<file path=customXml/itemProps35.xml><?xml version="1.0" encoding="utf-8"?>
+<ds:datastoreItem xmlns:ds="http://schemas.openxmlformats.org/officeDocument/2006/customXml" ds:itemID="{F740F8FB-2A57-4A5A-8A10-DB277BD90AD6}">
+  <ds:schemaRefs>
+    <ds:schemaRef ds:uri="http://schemas.microsoft.com/VisualStudio/2011/storyboarding/control"/>
+  </ds:schemaRefs>
+</ds:datastoreItem>
+</file>
+
+<file path=customXml/itemProps36.xml><?xml version="1.0" encoding="utf-8"?>
+<ds:datastoreItem xmlns:ds="http://schemas.openxmlformats.org/officeDocument/2006/customXml" ds:itemID="{FFBECA5D-98B6-44B5-A2C6-37D48CF3AF3A}">
+  <ds:schemaRefs>
+    <ds:schemaRef ds:uri="http://schemas.microsoft.com/VisualStudio/2011/storyboarding/control"/>
+  </ds:schemaRefs>
+</ds:datastoreItem>
+</file>
+
+<file path=customXml/itemProps37.xml><?xml version="1.0" encoding="utf-8"?>
+<ds:datastoreItem xmlns:ds="http://schemas.openxmlformats.org/officeDocument/2006/customXml" ds:itemID="{3E761C2F-8061-42F7-85EE-BAC9A30475E4}">
+  <ds:schemaRefs>
+    <ds:schemaRef ds:uri="http://schemas.microsoft.com/VisualStudio/2011/storyboarding/control"/>
+  </ds:schemaRefs>
+</ds:datastoreItem>
+</file>
+
+<file path=customXml/itemProps38.xml><?xml version="1.0" encoding="utf-8"?>
 <ds:datastoreItem xmlns:ds="http://schemas.openxmlformats.org/officeDocument/2006/customXml" ds:itemID="{2919FF7A-4596-417B-8383-2B8AF57B6AC6}">
   <ds:schemaRefs>
     <ds:schemaRef ds:uri="http://schemas.microsoft.com/VisualStudio/2011/storyboarding/control"/>
@@ -15414,7 +15662,71 @@
 </ds:datastoreItem>
 </file>
 
-<file path=customXml/itemProps10.xml><?xml version="1.0" encoding="utf-8"?>
+<file path=customXml/itemProps39.xml><?xml version="1.0" encoding="utf-8"?>
+<ds:datastoreItem xmlns:ds="http://schemas.openxmlformats.org/officeDocument/2006/customXml" ds:itemID="{67106009-F644-4AEE-A695-F6453AFC4033}">
+  <ds:schemaRefs>
+    <ds:schemaRef ds:uri="http://schemas.microsoft.com/VisualStudio/2011/storyboarding/control"/>
+  </ds:schemaRefs>
+</ds:datastoreItem>
+</file>
+
+<file path=customXml/itemProps4.xml><?xml version="1.0" encoding="utf-8"?>
+<ds:datastoreItem xmlns:ds="http://schemas.openxmlformats.org/officeDocument/2006/customXml" ds:itemID="{F87DB0C2-48C4-47AB-8A74-4C372CE74562}">
+  <ds:schemaRefs>
+    <ds:schemaRef ds:uri="http://schemas.microsoft.com/VisualStudio/2011/storyboarding/control"/>
+  </ds:schemaRefs>
+</ds:datastoreItem>
+</file>
+
+<file path=customXml/itemProps40.xml><?xml version="1.0" encoding="utf-8"?>
+<ds:datastoreItem xmlns:ds="http://schemas.openxmlformats.org/officeDocument/2006/customXml" ds:itemID="{9BBE54EC-2B87-498D-8AC4-D4B3ADA6B820}">
+  <ds:schemaRefs>
+    <ds:schemaRef ds:uri="http://schemas.microsoft.com/VisualStudio/2011/storyboarding/control"/>
+  </ds:schemaRefs>
+</ds:datastoreItem>
+</file>
+
+<file path=customXml/itemProps41.xml><?xml version="1.0" encoding="utf-8"?>
+<ds:datastoreItem xmlns:ds="http://schemas.openxmlformats.org/officeDocument/2006/customXml" ds:itemID="{855AC672-C710-4AF6-839D-72D5775CD567}">
+  <ds:schemaRefs>
+    <ds:schemaRef ds:uri="http://schemas.microsoft.com/VisualStudio/2011/storyboarding/control"/>
+  </ds:schemaRefs>
+</ds:datastoreItem>
+</file>
+
+<file path=customXml/itemProps42.xml><?xml version="1.0" encoding="utf-8"?>
+<ds:datastoreItem xmlns:ds="http://schemas.openxmlformats.org/officeDocument/2006/customXml" ds:itemID="{D707649E-3D81-471F-BFF2-ED5F94173021}">
+  <ds:schemaRefs>
+    <ds:schemaRef ds:uri="http://schemas.microsoft.com/VisualStudio/2011/storyboarding/control"/>
+  </ds:schemaRefs>
+</ds:datastoreItem>
+</file>
+
+<file path=customXml/itemProps43.xml><?xml version="1.0" encoding="utf-8"?>
+<ds:datastoreItem xmlns:ds="http://schemas.openxmlformats.org/officeDocument/2006/customXml" ds:itemID="{4D5768D9-1270-4822-8C28-85AD3F773021}">
+  <ds:schemaRefs>
+    <ds:schemaRef ds:uri="http://schemas.microsoft.com/VisualStudio/2011/storyboarding/control"/>
+  </ds:schemaRefs>
+</ds:datastoreItem>
+</file>
+
+<file path=customXml/itemProps44.xml><?xml version="1.0" encoding="utf-8"?>
+<ds:datastoreItem xmlns:ds="http://schemas.openxmlformats.org/officeDocument/2006/customXml" ds:itemID="{A28E60DF-AE1D-491A-BCDF-64906F2C9A83}">
+  <ds:schemaRefs>
+    <ds:schemaRef ds:uri="http://schemas.microsoft.com/VisualStudio/2011/storyboarding/control"/>
+  </ds:schemaRefs>
+</ds:datastoreItem>
+</file>
+
+<file path=customXml/itemProps45.xml><?xml version="1.0" encoding="utf-8"?>
+<ds:datastoreItem xmlns:ds="http://schemas.openxmlformats.org/officeDocument/2006/customXml" ds:itemID="{0757B4CF-F0CE-441B-9A46-25ECD8504D53}">
+  <ds:schemaRefs>
+    <ds:schemaRef ds:uri="http://schemas.microsoft.com/VisualStudio/2011/storyboarding/control"/>
+  </ds:schemaRefs>
+</ds:datastoreItem>
+</file>
+
+<file path=customXml/itemProps46.xml><?xml version="1.0" encoding="utf-8"?>
 <ds:datastoreItem xmlns:ds="http://schemas.openxmlformats.org/officeDocument/2006/customXml" ds:itemID="{F44B848A-2758-4DC5-B75E-C244FE8BD2A2}">
   <ds:schemaRefs>
     <ds:schemaRef ds:uri="http://schemas.microsoft.com/VisualStudio/2011/storyboarding/control"/>
@@ -15422,7 +15734,31 @@
 </ds:datastoreItem>
 </file>
 
-<file path=customXml/itemProps11.xml><?xml version="1.0" encoding="utf-8"?>
+<file path=customXml/itemProps47.xml><?xml version="1.0" encoding="utf-8"?>
+<ds:datastoreItem xmlns:ds="http://schemas.openxmlformats.org/officeDocument/2006/customXml" ds:itemID="{F18E468F-D6AB-4E58-8BC7-CFAEB9B4E050}">
+  <ds:schemaRefs>
+    <ds:schemaRef ds:uri="http://schemas.microsoft.com/VisualStudio/2011/storyboarding/control"/>
+  </ds:schemaRefs>
+</ds:datastoreItem>
+</file>
+
+<file path=customXml/itemProps48.xml><?xml version="1.0" encoding="utf-8"?>
+<ds:datastoreItem xmlns:ds="http://schemas.openxmlformats.org/officeDocument/2006/customXml" ds:itemID="{95F5A59D-1CD5-486F-8E49-1698B18F506B}">
+  <ds:schemaRefs>
+    <ds:schemaRef ds:uri="http://schemas.microsoft.com/VisualStudio/2011/storyboarding/control"/>
+  </ds:schemaRefs>
+</ds:datastoreItem>
+</file>
+
+<file path=customXml/itemProps49.xml><?xml version="1.0" encoding="utf-8"?>
+<ds:datastoreItem xmlns:ds="http://schemas.openxmlformats.org/officeDocument/2006/customXml" ds:itemID="{7E490CFA-AFC8-46F2-886A-53A6E6638E7C}">
+  <ds:schemaRefs>
+    <ds:schemaRef ds:uri="http://schemas.microsoft.com/VisualStudio/2011/storyboarding/control"/>
+  </ds:schemaRefs>
+</ds:datastoreItem>
+</file>
+
+<file path=customXml/itemProps5.xml><?xml version="1.0" encoding="utf-8"?>
 <ds:datastoreItem xmlns:ds="http://schemas.openxmlformats.org/officeDocument/2006/customXml" ds:itemID="{DB6D7B7D-574C-4D96-B0F7-066CAF26C70A}">
   <ds:schemaRefs>
     <ds:schemaRef ds:uri="http://schemas.microsoft.com/VisualStudio/2011/storyboarding/control"/>
@@ -15430,15 +15766,31 @@
 </ds:datastoreItem>
 </file>
 
-<file path=customXml/itemProps12.xml><?xml version="1.0" encoding="utf-8"?>
-<ds:datastoreItem xmlns:ds="http://schemas.openxmlformats.org/officeDocument/2006/customXml" ds:itemID="{39E9BA00-753A-4B28-AEC4-3BB8AA907BE6}">
+<file path=customXml/itemProps50.xml><?xml version="1.0" encoding="utf-8"?>
+<ds:datastoreItem xmlns:ds="http://schemas.openxmlformats.org/officeDocument/2006/customXml" ds:itemID="{7AC8334B-A48D-47A9-8C62-11FB9D8557B4}">
   <ds:schemaRefs>
     <ds:schemaRef ds:uri="http://schemas.microsoft.com/VisualStudio/2011/storyboarding/control"/>
   </ds:schemaRefs>
 </ds:datastoreItem>
 </file>
 
-<file path=customXml/itemProps13.xml><?xml version="1.0" encoding="utf-8"?>
+<file path=customXml/itemProps51.xml><?xml version="1.0" encoding="utf-8"?>
+<ds:datastoreItem xmlns:ds="http://schemas.openxmlformats.org/officeDocument/2006/customXml" ds:itemID="{148D5DCF-151E-4015-B476-A25CC99190CA}">
+  <ds:schemaRefs>
+    <ds:schemaRef ds:uri="http://schemas.microsoft.com/VisualStudio/2011/storyboarding/control"/>
+  </ds:schemaRefs>
+</ds:datastoreItem>
+</file>
+
+<file path=customXml/itemProps52.xml><?xml version="1.0" encoding="utf-8"?>
+<ds:datastoreItem xmlns:ds="http://schemas.openxmlformats.org/officeDocument/2006/customXml" ds:itemID="{82294229-B0C9-4ECB-8C1F-DE48DE8F63BD}">
+  <ds:schemaRefs>
+    <ds:schemaRef ds:uri="http://schemas.microsoft.com/VisualStudio/2011/storyboarding/control"/>
+  </ds:schemaRefs>
+</ds:datastoreItem>
+</file>
+
+<file path=customXml/itemProps53.xml><?xml version="1.0" encoding="utf-8"?>
 <ds:datastoreItem xmlns:ds="http://schemas.openxmlformats.org/officeDocument/2006/customXml" ds:itemID="{1D4C458E-21C9-4852-A64F-550C59968B04}">
   <ds:schemaRefs>
     <ds:schemaRef ds:uri="http://schemas.microsoft.com/VisualStudio/2011/storyboarding/control"/>
@@ -15446,39 +15798,7 @@
 </ds:datastoreItem>
 </file>
 
-<file path=customXml/itemProps14.xml><?xml version="1.0" encoding="utf-8"?>
-<ds:datastoreItem xmlns:ds="http://schemas.openxmlformats.org/officeDocument/2006/customXml" ds:itemID="{0CB8179D-6536-4D52-B4E0-E37F1F2C04F3}">
-  <ds:schemaRefs>
-    <ds:schemaRef ds:uri="http://schemas.microsoft.com/VisualStudio/2011/storyboarding/control"/>
-  </ds:schemaRefs>
-</ds:datastoreItem>
-</file>
-
-<file path=customXml/itemProps15.xml><?xml version="1.0" encoding="utf-8"?>
-<ds:datastoreItem xmlns:ds="http://schemas.openxmlformats.org/officeDocument/2006/customXml" ds:itemID="{9BBE54EC-2B87-498D-8AC4-D4B3ADA6B820}">
-  <ds:schemaRefs>
-    <ds:schemaRef ds:uri="http://schemas.microsoft.com/VisualStudio/2011/storyboarding/control"/>
-  </ds:schemaRefs>
-</ds:datastoreItem>
-</file>
-
-<file path=customXml/itemProps16.xml><?xml version="1.0" encoding="utf-8"?>
-<ds:datastoreItem xmlns:ds="http://schemas.openxmlformats.org/officeDocument/2006/customXml" ds:itemID="{F87DB0C2-48C4-47AB-8A74-4C372CE74562}">
-  <ds:schemaRefs>
-    <ds:schemaRef ds:uri="http://schemas.microsoft.com/VisualStudio/2011/storyboarding/control"/>
-  </ds:schemaRefs>
-</ds:datastoreItem>
-</file>
-
-<file path=customXml/itemProps17.xml><?xml version="1.0" encoding="utf-8"?>
-<ds:datastoreItem xmlns:ds="http://schemas.openxmlformats.org/officeDocument/2006/customXml" ds:itemID="{F0233488-C0C0-4BC5-A6DA-6C23A9ADE8D4}">
-  <ds:schemaRefs>
-    <ds:schemaRef ds:uri="http://schemas.microsoft.com/VisualStudio/2011/storyboarding/control"/>
-  </ds:schemaRefs>
-</ds:datastoreItem>
-</file>
-
-<file path=customXml/itemProps18.xml><?xml version="1.0" encoding="utf-8"?>
+<file path=customXml/itemProps54.xml><?xml version="1.0" encoding="utf-8"?>
 <ds:datastoreItem xmlns:ds="http://schemas.openxmlformats.org/officeDocument/2006/customXml" ds:itemID="{D572144E-CF7D-41F2-BE32-5C1075BF4F5E}">
   <ds:schemaRefs>
     <ds:schemaRef ds:uri="http://schemas.microsoft.com/VisualStudio/2011/storyboarding/control"/>
@@ -15486,15 +15806,55 @@
 </ds:datastoreItem>
 </file>
 
-<file path=customXml/itemProps19.xml><?xml version="1.0" encoding="utf-8"?>
-<ds:datastoreItem xmlns:ds="http://schemas.openxmlformats.org/officeDocument/2006/customXml" ds:itemID="{E737FDEF-40F4-4E7F-8906-B695DDB9E842}">
+<file path=customXml/itemProps55.xml><?xml version="1.0" encoding="utf-8"?>
+<ds:datastoreItem xmlns:ds="http://schemas.openxmlformats.org/officeDocument/2006/customXml" ds:itemID="{0F2ECAA6-AA08-4E54-A8D1-2DE956F176B3}">
   <ds:schemaRefs>
     <ds:schemaRef ds:uri="http://schemas.microsoft.com/VisualStudio/2011/storyboarding/control"/>
   </ds:schemaRefs>
 </ds:datastoreItem>
 </file>
 
-<file path=customXml/itemProps2.xml><?xml version="1.0" encoding="utf-8"?>
+<file path=customXml/itemProps56.xml><?xml version="1.0" encoding="utf-8"?>
+<ds:datastoreItem xmlns:ds="http://schemas.openxmlformats.org/officeDocument/2006/customXml" ds:itemID="{6370C712-7BA7-4D5E-9A4C-77BA02ACB66B}">
+  <ds:schemaRefs>
+    <ds:schemaRef ds:uri="http://schemas.microsoft.com/VisualStudio/2011/storyboarding/control"/>
+  </ds:schemaRefs>
+</ds:datastoreItem>
+</file>
+
+<file path=customXml/itemProps57.xml><?xml version="1.0" encoding="utf-8"?>
+<ds:datastoreItem xmlns:ds="http://schemas.openxmlformats.org/officeDocument/2006/customXml" ds:itemID="{0D9BF0A5-B1AE-4A8E-ABB5-7445CC4EE902}">
+  <ds:schemaRefs>
+    <ds:schemaRef ds:uri="http://schemas.microsoft.com/VisualStudio/2011/storyboarding/control"/>
+  </ds:schemaRefs>
+</ds:datastoreItem>
+</file>
+
+<file path=customXml/itemProps58.xml><?xml version="1.0" encoding="utf-8"?>
+<ds:datastoreItem xmlns:ds="http://schemas.openxmlformats.org/officeDocument/2006/customXml" ds:itemID="{08048173-01B1-4CB5-82A9-CC6BB86FAF5B}">
+  <ds:schemaRefs>
+    <ds:schemaRef ds:uri="http://schemas.microsoft.com/VisualStudio/2011/storyboarding/control"/>
+  </ds:schemaRefs>
+</ds:datastoreItem>
+</file>
+
+<file path=customXml/itemProps59.xml><?xml version="1.0" encoding="utf-8"?>
+<ds:datastoreItem xmlns:ds="http://schemas.openxmlformats.org/officeDocument/2006/customXml" ds:itemID="{84CE7080-CCDC-492A-852D-717DA005AB7C}">
+  <ds:schemaRefs>
+    <ds:schemaRef ds:uri="http://schemas.microsoft.com/VisualStudio/2011/storyboarding/control"/>
+  </ds:schemaRefs>
+</ds:datastoreItem>
+</file>
+
+<file path=customXml/itemProps6.xml><?xml version="1.0" encoding="utf-8"?>
+<ds:datastoreItem xmlns:ds="http://schemas.openxmlformats.org/officeDocument/2006/customXml" ds:itemID="{A7AEC7AB-428E-4E2B-832B-31BD2267821F}">
+  <ds:schemaRefs>
+    <ds:schemaRef ds:uri="http://schemas.microsoft.com/VisualStudio/2011/storyboarding/control"/>
+  </ds:schemaRefs>
+</ds:datastoreItem>
+</file>
+
+<file path=customXml/itemProps60.xml><?xml version="1.0" encoding="utf-8"?>
 <ds:datastoreItem xmlns:ds="http://schemas.openxmlformats.org/officeDocument/2006/customXml" ds:itemID="{C213F1C6-188C-4D64-9345-584082C74FC8}">
   <ds:schemaRefs>
     <ds:schemaRef ds:uri="http://schemas.microsoft.com/VisualStudio/2011/storyboarding/control"/>
@@ -15502,15 +15862,23 @@
 </ds:datastoreItem>
 </file>
 
-<file path=customXml/itemProps20.xml><?xml version="1.0" encoding="utf-8"?>
-<ds:datastoreItem xmlns:ds="http://schemas.openxmlformats.org/officeDocument/2006/customXml" ds:itemID="{7681CA5C-EFAA-4E4E-B9B2-DCD72615066C}">
+<file path=customXml/itemProps61.xml><?xml version="1.0" encoding="utf-8"?>
+<ds:datastoreItem xmlns:ds="http://schemas.openxmlformats.org/officeDocument/2006/customXml" ds:itemID="{BAD90B8D-82D5-46D8-93D4-ACB59C3B1F0C}">
   <ds:schemaRefs>
     <ds:schemaRef ds:uri="http://schemas.microsoft.com/VisualStudio/2011/storyboarding/control"/>
   </ds:schemaRefs>
 </ds:datastoreItem>
 </file>
 
-<file path=customXml/itemProps21.xml><?xml version="1.0" encoding="utf-8"?>
+<file path=customXml/itemProps62.xml><?xml version="1.0" encoding="utf-8"?>
+<ds:datastoreItem xmlns:ds="http://schemas.openxmlformats.org/officeDocument/2006/customXml" ds:itemID="{B78B6C9B-7B30-43FF-A837-9355CC647A37}">
+  <ds:schemaRefs>
+    <ds:schemaRef ds:uri="http://schemas.microsoft.com/VisualStudio/2011/storyboarding/control"/>
+  </ds:schemaRefs>
+</ds:datastoreItem>
+</file>
+
+<file path=customXml/itemProps63.xml><?xml version="1.0" encoding="utf-8"?>
 <ds:datastoreItem xmlns:ds="http://schemas.openxmlformats.org/officeDocument/2006/customXml" ds:itemID="{FF772935-60A6-494F-BA92-0D4CAE41B5F9}">
   <ds:schemaRefs>
     <ds:schemaRef ds:uri="http://schemas.microsoft.com/VisualStudio/2011/storyboarding/control"/>
@@ -15518,95 +15886,7 @@
 </ds:datastoreItem>
 </file>
 
-<file path=customXml/itemProps22.xml><?xml version="1.0" encoding="utf-8"?>
-<ds:datastoreItem xmlns:ds="http://schemas.openxmlformats.org/officeDocument/2006/customXml" ds:itemID="{15ECF5F7-E791-450D-BC94-AA324BF64C0C}">
-  <ds:schemaRefs>
-    <ds:schemaRef ds:uri="http://schemas.microsoft.com/VisualStudio/2011/storyboarding/control"/>
-  </ds:schemaRefs>
-</ds:datastoreItem>
-</file>
-
-<file path=customXml/itemProps23.xml><?xml version="1.0" encoding="utf-8"?>
-<ds:datastoreItem xmlns:ds="http://schemas.openxmlformats.org/officeDocument/2006/customXml" ds:itemID="{855AC672-C710-4AF6-839D-72D5775CD567}">
-  <ds:schemaRefs>
-    <ds:schemaRef ds:uri="http://schemas.microsoft.com/VisualStudio/2011/storyboarding/control"/>
-  </ds:schemaRefs>
-</ds:datastoreItem>
-</file>
-
-<file path=customXml/itemProps24.xml><?xml version="1.0" encoding="utf-8"?>
-<ds:datastoreItem xmlns:ds="http://schemas.openxmlformats.org/officeDocument/2006/customXml" ds:itemID="{A7AEC7AB-428E-4E2B-832B-31BD2267821F}">
-  <ds:schemaRefs>
-    <ds:schemaRef ds:uri="http://schemas.microsoft.com/VisualStudio/2011/storyboarding/control"/>
-  </ds:schemaRefs>
-</ds:datastoreItem>
-</file>
-
-<file path=customXml/itemProps25.xml><?xml version="1.0" encoding="utf-8"?>
-<ds:datastoreItem xmlns:ds="http://schemas.openxmlformats.org/officeDocument/2006/customXml" ds:itemID="{F250B374-A83E-4135-9D42-199EBBB039FF}">
-  <ds:schemaRefs>
-    <ds:schemaRef ds:uri="http://schemas.microsoft.com/VisualStudio/2011/storyboarding/control"/>
-  </ds:schemaRefs>
-</ds:datastoreItem>
-</file>
-
-<file path=customXml/itemProps26.xml><?xml version="1.0" encoding="utf-8"?>
-<ds:datastoreItem xmlns:ds="http://schemas.openxmlformats.org/officeDocument/2006/customXml" ds:itemID="{B78B6C9B-7B30-43FF-A837-9355CC647A37}">
-  <ds:schemaRefs>
-    <ds:schemaRef ds:uri="http://schemas.microsoft.com/VisualStudio/2011/storyboarding/control"/>
-  </ds:schemaRefs>
-</ds:datastoreItem>
-</file>
-
-<file path=customXml/itemProps27.xml><?xml version="1.0" encoding="utf-8"?>
-<ds:datastoreItem xmlns:ds="http://schemas.openxmlformats.org/officeDocument/2006/customXml" ds:itemID="{F11EDF21-B900-4649-8DEB-3D36B8BA2214}">
-  <ds:schemaRefs>
-    <ds:schemaRef ds:uri="http://schemas.microsoft.com/VisualStudio/2011/storyboarding/control"/>
-  </ds:schemaRefs>
-</ds:datastoreItem>
-</file>
-
-<file path=customXml/itemProps28.xml><?xml version="1.0" encoding="utf-8"?>
-<ds:datastoreItem xmlns:ds="http://schemas.openxmlformats.org/officeDocument/2006/customXml" ds:itemID="{D707649E-3D81-471F-BFF2-ED5F94173021}">
-  <ds:schemaRefs>
-    <ds:schemaRef ds:uri="http://schemas.microsoft.com/VisualStudio/2011/storyboarding/control"/>
-  </ds:schemaRefs>
-</ds:datastoreItem>
-</file>
-
-<file path=customXml/itemProps29.xml><?xml version="1.0" encoding="utf-8"?>
-<ds:datastoreItem xmlns:ds="http://schemas.openxmlformats.org/officeDocument/2006/customXml" ds:itemID="{BAD90B8D-82D5-46D8-93D4-ACB59C3B1F0C}">
-  <ds:schemaRefs>
-    <ds:schemaRef ds:uri="http://schemas.microsoft.com/VisualStudio/2011/storyboarding/control"/>
-  </ds:schemaRefs>
-</ds:datastoreItem>
-</file>
-
-<file path=customXml/itemProps3.xml><?xml version="1.0" encoding="utf-8"?>
-<ds:datastoreItem xmlns:ds="http://schemas.openxmlformats.org/officeDocument/2006/customXml" ds:itemID="{EB4B08B3-2602-4825-BBE5-ED1F4CD9242F}">
-  <ds:schemaRefs>
-    <ds:schemaRef ds:uri="http://schemas.microsoft.com/VisualStudio/2011/storyboarding/control"/>
-  </ds:schemaRefs>
-</ds:datastoreItem>
-</file>
-
-<file path=customXml/itemProps30.xml><?xml version="1.0" encoding="utf-8"?>
-<ds:datastoreItem xmlns:ds="http://schemas.openxmlformats.org/officeDocument/2006/customXml" ds:itemID="{243C2674-6529-4818-973E-D74896A24EAF}">
-  <ds:schemaRefs>
-    <ds:schemaRef ds:uri="http://schemas.microsoft.com/VisualStudio/2011/storyboarding/control"/>
-  </ds:schemaRefs>
-</ds:datastoreItem>
-</file>
-
-<file path=customXml/itemProps31.xml><?xml version="1.0" encoding="utf-8"?>
-<ds:datastoreItem xmlns:ds="http://schemas.openxmlformats.org/officeDocument/2006/customXml" ds:itemID="{F18E468F-D6AB-4E58-8BC7-CFAEB9B4E050}">
-  <ds:schemaRefs>
-    <ds:schemaRef ds:uri="http://schemas.microsoft.com/VisualStudio/2011/storyboarding/control"/>
-  </ds:schemaRefs>
-</ds:datastoreItem>
-</file>
-
-<file path=customXml/itemProps32.xml><?xml version="1.0" encoding="utf-8"?>
+<file path=customXml/itemProps7.xml><?xml version="1.0" encoding="utf-8"?>
 <ds:datastoreItem xmlns:ds="http://schemas.openxmlformats.org/officeDocument/2006/customXml" ds:itemID="{99FA41B5-4248-434C-BC9D-1D74AEF58144}">
   <ds:schemaRefs>
     <ds:schemaRef ds:uri="http://schemas.microsoft.com/VisualStudio/2011/storyboarding/control"/>
@@ -15614,39 +15894,7 @@
 </ds:datastoreItem>
 </file>
 
-<file path=customXml/itemProps33.xml><?xml version="1.0" encoding="utf-8"?>
-<ds:datastoreItem xmlns:ds="http://schemas.openxmlformats.org/officeDocument/2006/customXml" ds:itemID="{6981151A-B947-4106-95E9-22C1B1561CE6}">
-  <ds:schemaRefs>
-    <ds:schemaRef ds:uri="http://schemas.microsoft.com/VisualStudio/2011/storyboarding/control"/>
-  </ds:schemaRefs>
-</ds:datastoreItem>
-</file>
-
-<file path=customXml/itemProps34.xml><?xml version="1.0" encoding="utf-8"?>
-<ds:datastoreItem xmlns:ds="http://schemas.openxmlformats.org/officeDocument/2006/customXml" ds:itemID="{6370C712-7BA7-4D5E-9A4C-77BA02ACB66B}">
-  <ds:schemaRefs>
-    <ds:schemaRef ds:uri="http://schemas.microsoft.com/VisualStudio/2011/storyboarding/control"/>
-  </ds:schemaRefs>
-</ds:datastoreItem>
-</file>
-
-<file path=customXml/itemProps35.xml><?xml version="1.0" encoding="utf-8"?>
-<ds:datastoreItem xmlns:ds="http://schemas.openxmlformats.org/officeDocument/2006/customXml" ds:itemID="{9FD4CDD7-7CDB-4ECB-BFAF-249F6020DCB3}">
-  <ds:schemaRefs>
-    <ds:schemaRef ds:uri="http://schemas.microsoft.com/VisualStudio/2011/storyboarding/control"/>
-  </ds:schemaRefs>
-</ds:datastoreItem>
-</file>
-
-<file path=customXml/itemProps36.xml><?xml version="1.0" encoding="utf-8"?>
-<ds:datastoreItem xmlns:ds="http://schemas.openxmlformats.org/officeDocument/2006/customXml" ds:itemID="{4D5768D9-1270-4822-8C28-85AD3F773021}">
-  <ds:schemaRefs>
-    <ds:schemaRef ds:uri="http://schemas.microsoft.com/VisualStudio/2011/storyboarding/control"/>
-  </ds:schemaRefs>
-</ds:datastoreItem>
-</file>
-
-<file path=customXml/itemProps37.xml><?xml version="1.0" encoding="utf-8"?>
+<file path=customXml/itemProps8.xml><?xml version="1.0" encoding="utf-8"?>
 <ds:datastoreItem xmlns:ds="http://schemas.openxmlformats.org/officeDocument/2006/customXml" ds:itemID="{62C55811-7AA4-4875-BABD-EA71A868B367}">
   <ds:schemaRefs>
     <ds:schemaRef ds:uri="http://schemas.microsoft.com/VisualStudio/2011/storyboarding/control"/>
@@ -15654,258 +15902,10 @@
 </ds:datastoreItem>
 </file>
 
-<file path=customXml/itemProps38.xml><?xml version="1.0" encoding="utf-8"?>
-<ds:datastoreItem xmlns:ds="http://schemas.openxmlformats.org/officeDocument/2006/customXml" ds:itemID="{E5393C5F-35C3-40F6-9431-39C9AC993954}">
-  <ds:schemaRefs>
-    <ds:schemaRef ds:uri="http://schemas.microsoft.com/VisualStudio/2011/storyboarding/control"/>
-  </ds:schemaRefs>
-</ds:datastoreItem>
-</file>
-
-<file path=customXml/itemProps39.xml><?xml version="1.0" encoding="utf-8"?>
-<ds:datastoreItem xmlns:ds="http://schemas.openxmlformats.org/officeDocument/2006/customXml" ds:itemID="{0F2ECAA6-AA08-4E54-A8D1-2DE956F176B3}">
-  <ds:schemaRefs>
-    <ds:schemaRef ds:uri="http://schemas.microsoft.com/VisualStudio/2011/storyboarding/control"/>
-  </ds:schemaRefs>
-</ds:datastoreItem>
-</file>
-
-<file path=customXml/itemProps4.xml><?xml version="1.0" encoding="utf-8"?>
-<ds:datastoreItem xmlns:ds="http://schemas.openxmlformats.org/officeDocument/2006/customXml" ds:itemID="{148D5DCF-151E-4015-B476-A25CC99190CA}">
-  <ds:schemaRefs>
-    <ds:schemaRef ds:uri="http://schemas.microsoft.com/VisualStudio/2011/storyboarding/control"/>
-  </ds:schemaRefs>
-</ds:datastoreItem>
-</file>
-
-<file path=customXml/itemProps40.xml><?xml version="1.0" encoding="utf-8"?>
+<file path=customXml/itemProps9.xml><?xml version="1.0" encoding="utf-8"?>
 <ds:datastoreItem xmlns:ds="http://schemas.openxmlformats.org/officeDocument/2006/customXml" ds:itemID="{CFA7D050-60B2-45F1-A7FD-27382E1EA873}">
   <ds:schemaRefs>
     <ds:schemaRef ds:uri="http://schemas.microsoft.com/VisualStudio/2011/storyboarding/control"/>
   </ds:schemaRefs>
 </ds:datastoreItem>
-</file>
-
-<file path=customXml/itemProps41.xml><?xml version="1.0" encoding="utf-8"?>
-<ds:datastoreItem xmlns:ds="http://schemas.openxmlformats.org/officeDocument/2006/customXml" ds:itemID="{F740F8FB-2A57-4A5A-8A10-DB277BD90AD6}">
-  <ds:schemaRefs>
-    <ds:schemaRef ds:uri="http://schemas.microsoft.com/VisualStudio/2011/storyboarding/control"/>
-  </ds:schemaRefs>
-</ds:datastoreItem>
-</file>
-
-<file path=customXml/itemProps42.xml><?xml version="1.0" encoding="utf-8"?>
-<ds:datastoreItem xmlns:ds="http://schemas.openxmlformats.org/officeDocument/2006/customXml" ds:itemID="{98142ACB-60DB-4029-908F-E8B8504E8B6F}">
-  <ds:schemaRefs>
-    <ds:schemaRef ds:uri="http://schemas.microsoft.com/VisualStudio/2011/storyboarding/control"/>
-  </ds:schemaRefs>
-</ds:datastoreItem>
-</file>
-
-<file path=customXml/itemProps43.xml><?xml version="1.0" encoding="utf-8"?>
-<ds:datastoreItem xmlns:ds="http://schemas.openxmlformats.org/officeDocument/2006/customXml" ds:itemID="{E8B23EE4-9F7D-4ECC-91A2-FC82117F32AC}">
-  <ds:schemaRefs>
-    <ds:schemaRef ds:uri="http://schemas.microsoft.com/VisualStudio/2011/storyboarding/control"/>
-  </ds:schemaRefs>
-</ds:datastoreItem>
-</file>
-
-<file path=customXml/itemProps44.xml><?xml version="1.0" encoding="utf-8"?>
-<ds:datastoreItem xmlns:ds="http://schemas.openxmlformats.org/officeDocument/2006/customXml" ds:itemID="{95F5A59D-1CD5-486F-8E49-1698B18F506B}">
-  <ds:schemaRefs>
-    <ds:schemaRef ds:uri="http://schemas.microsoft.com/VisualStudio/2011/storyboarding/control"/>
-  </ds:schemaRefs>
-</ds:datastoreItem>
-</file>
-
-<file path=customXml/itemProps45.xml><?xml version="1.0" encoding="utf-8"?>
-<ds:datastoreItem xmlns:ds="http://schemas.openxmlformats.org/officeDocument/2006/customXml" ds:itemID="{D621E6CD-0D22-4A1E-97CB-AEEEEE4298E5}">
-  <ds:schemaRefs>
-    <ds:schemaRef ds:uri="http://schemas.microsoft.com/VisualStudio/2011/storyboarding/control"/>
-  </ds:schemaRefs>
-</ds:datastoreItem>
-</file>
-
-<file path=customXml/itemProps46.xml><?xml version="1.0" encoding="utf-8"?>
-<ds:datastoreItem xmlns:ds="http://schemas.openxmlformats.org/officeDocument/2006/customXml" ds:itemID="{83CF953A-F248-4337-8F95-1BBD4A88BF1C}">
-  <ds:schemaRefs>
-    <ds:schemaRef ds:uri="http://schemas.microsoft.com/VisualStudio/2011/storyboarding/control"/>
-  </ds:schemaRefs>
-</ds:datastoreItem>
-</file>
-
-<file path=customXml/itemProps47.xml><?xml version="1.0" encoding="utf-8"?>
-<ds:datastoreItem xmlns:ds="http://schemas.openxmlformats.org/officeDocument/2006/customXml" ds:itemID="{0713B288-483D-4976-BEDF-38C3A3A05BE7}">
-  <ds:schemaRefs>
-    <ds:schemaRef ds:uri="http://schemas.microsoft.com/VisualStudio/2011/storyboarding/control"/>
-  </ds:schemaRefs>
-</ds:datastoreItem>
-</file>
-
-<file path=customXml/itemProps48.xml><?xml version="1.0" encoding="utf-8"?>
-<ds:datastoreItem xmlns:ds="http://schemas.openxmlformats.org/officeDocument/2006/customXml" ds:itemID="{DC087CE6-C98F-430D-881D-B848274368C4}">
-  <ds:schemaRefs>
-    <ds:schemaRef ds:uri="http://schemas.microsoft.com/VisualStudio/2011/storyboarding/control"/>
-  </ds:schemaRefs>
-</ds:datastoreItem>
-</file>
-
-<file path=customXml/itemProps49.xml><?xml version="1.0" encoding="utf-8"?>
-<ds:datastoreItem xmlns:ds="http://schemas.openxmlformats.org/officeDocument/2006/customXml" ds:itemID="{A28E60DF-AE1D-491A-BCDF-64906F2C9A83}">
-  <ds:schemaRefs>
-    <ds:schemaRef ds:uri="http://schemas.microsoft.com/VisualStudio/2011/storyboarding/control"/>
-  </ds:schemaRefs>
-</ds:datastoreItem>
-</file>
-
-<file path=customXml/itemProps5.xml><?xml version="1.0" encoding="utf-8"?>
-<ds:datastoreItem xmlns:ds="http://schemas.openxmlformats.org/officeDocument/2006/customXml" ds:itemID="{926E78DC-B678-46CB-8E24-9F3927443C3F}">
-  <ds:schemaRefs>
-    <ds:schemaRef ds:uri="http://schemas.microsoft.com/VisualStudio/2011/storyboarding/control"/>
-  </ds:schemaRefs>
-</ds:datastoreItem>
-</file>
-
-<file path=customXml/itemProps50.xml><?xml version="1.0" encoding="utf-8"?>
-<ds:datastoreItem xmlns:ds="http://schemas.openxmlformats.org/officeDocument/2006/customXml" ds:itemID="{0D9BF0A5-B1AE-4A8E-ABB5-7445CC4EE902}">
-  <ds:schemaRefs>
-    <ds:schemaRef ds:uri="http://schemas.microsoft.com/VisualStudio/2011/storyboarding/control"/>
-  </ds:schemaRefs>
-</ds:datastoreItem>
-</file>
-
-<file path=customXml/itemProps51.xml><?xml version="1.0" encoding="utf-8"?>
-<ds:datastoreItem xmlns:ds="http://schemas.openxmlformats.org/officeDocument/2006/customXml" ds:itemID="{5C65E107-610F-4CF5-BD54-E9B82D8562E4}">
-  <ds:schemaRefs>
-    <ds:schemaRef ds:uri="http://schemas.microsoft.com/VisualStudio/2011/storyboarding/control"/>
-  </ds:schemaRefs>
-</ds:datastoreItem>
-</file>
-
-<file path=customXml/itemProps52.xml><?xml version="1.0" encoding="utf-8"?>
-<ds:datastoreItem xmlns:ds="http://schemas.openxmlformats.org/officeDocument/2006/customXml" ds:itemID="{7E490CFA-AFC8-46F2-886A-53A6E6638E7C}">
-  <ds:schemaRefs>
-    <ds:schemaRef ds:uri="http://schemas.microsoft.com/VisualStudio/2011/storyboarding/control"/>
-  </ds:schemaRefs>
-</ds:datastoreItem>
-</file>
-
-<file path=customXml/itemProps53.xml><?xml version="1.0" encoding="utf-8"?>
-<ds:datastoreItem xmlns:ds="http://schemas.openxmlformats.org/officeDocument/2006/customXml" ds:itemID="{562638B4-7819-4933-B248-7ABE38A496B4}">
-  <ds:schemaRefs>
-    <ds:schemaRef ds:uri="http://schemas.microsoft.com/VisualStudio/2011/storyboarding/control"/>
-  </ds:schemaRefs>
-</ds:datastoreItem>
-</file>
-
-<file path=customXml/itemProps54.xml><?xml version="1.0" encoding="utf-8"?>
-<ds:datastoreItem xmlns:ds="http://schemas.openxmlformats.org/officeDocument/2006/customXml" ds:itemID="{FFBECA5D-98B6-44B5-A2C6-37D48CF3AF3A}">
-  <ds:schemaRefs>
-    <ds:schemaRef ds:uri="http://schemas.microsoft.com/VisualStudio/2011/storyboarding/control"/>
-  </ds:schemaRefs>
-</ds:datastoreItem>
-</file>
-
-<file path=customXml/itemProps55.xml><?xml version="1.0" encoding="utf-8"?>
-<ds:datastoreItem xmlns:ds="http://schemas.openxmlformats.org/officeDocument/2006/customXml" ds:itemID="{08048173-01B1-4CB5-82A9-CC6BB86FAF5B}">
-  <ds:schemaRefs>
-    <ds:schemaRef ds:uri="http://schemas.microsoft.com/VisualStudio/2011/storyboarding/control"/>
-  </ds:schemaRefs>
-</ds:datastoreItem>
-</file>
-
-<file path=customXml/itemProps56.xml><?xml version="1.0" encoding="utf-8"?>
-<ds:datastoreItem xmlns:ds="http://schemas.openxmlformats.org/officeDocument/2006/customXml" ds:itemID="{3C692A4F-1301-4CE9-933F-1FC3082B09C3}">
-  <ds:schemaRefs>
-    <ds:schemaRef ds:uri="http://schemas.microsoft.com/VisualStudio/2011/storyboarding/control"/>
-  </ds:schemaRefs>
-</ds:datastoreItem>
-</file>
-
-<file path=customXml/itemProps57.xml><?xml version="1.0" encoding="utf-8"?>
-<ds:datastoreItem xmlns:ds="http://schemas.openxmlformats.org/officeDocument/2006/customXml" ds:itemID="{0757B4CF-F0CE-441B-9A46-25ECD8504D53}">
-  <ds:schemaRefs>
-    <ds:schemaRef ds:uri="http://schemas.microsoft.com/VisualStudio/2011/storyboarding/control"/>
-  </ds:schemaRefs>
-</ds:datastoreItem>
-</file>
-
-<file path=customXml/itemProps58.xml><?xml version="1.0" encoding="utf-8"?>
-<ds:datastoreItem xmlns:ds="http://schemas.openxmlformats.org/officeDocument/2006/customXml" ds:itemID="{4A87B249-833C-4DA0-9511-804146F89CA5}">
-  <ds:schemaRefs>
-    <ds:schemaRef ds:uri="http://schemas.microsoft.com/VisualStudio/2011/storyboarding/control"/>
-  </ds:schemaRefs>
-</ds:datastoreItem>
-</file>
-
-<file path=customXml/itemProps59.xml><?xml version="1.0" encoding="utf-8"?>
-<ds:datastoreItem xmlns:ds="http://schemas.openxmlformats.org/officeDocument/2006/customXml" ds:itemID="{500FE9D4-7895-4632-B84D-09AFEFC86DD4}">
-  <ds:schemaRefs>
-    <ds:schemaRef ds:uri="http://schemas.microsoft.com/VisualStudio/2011/storyboarding/control"/>
-  </ds:schemaRefs>
-</ds:datastoreItem>
-</file>
-
-<file path=customXml/itemProps6.xml><?xml version="1.0" encoding="utf-8"?>
-<ds:datastoreItem xmlns:ds="http://schemas.openxmlformats.org/officeDocument/2006/customXml" ds:itemID="{67106009-F644-4AEE-A695-F6453AFC4033}">
-  <ds:schemaRefs>
-    <ds:schemaRef ds:uri="http://schemas.microsoft.com/VisualStudio/2011/storyboarding/control"/>
-  </ds:schemaRefs>
-</ds:datastoreItem>
-</file>
-
-<file path=customXml/itemProps60.xml><?xml version="1.0" encoding="utf-8"?>
-<ds:datastoreItem xmlns:ds="http://schemas.openxmlformats.org/officeDocument/2006/customXml" ds:itemID="{7AC8334B-A48D-47A9-8C62-11FB9D8557B4}">
-  <ds:schemaRefs>
-    <ds:schemaRef ds:uri="http://schemas.microsoft.com/VisualStudio/2011/storyboarding/control"/>
-  </ds:schemaRefs>
-</ds:datastoreItem>
-</file>
-
-<file path=customXml/itemProps61.xml><?xml version="1.0" encoding="utf-8"?>
-<ds:datastoreItem xmlns:ds="http://schemas.openxmlformats.org/officeDocument/2006/customXml" ds:itemID="{FD59F9C9-F7A5-43BE-9011-092DA44F79C5}">
-  <ds:schemaRefs>
-    <ds:schemaRef ds:uri="http://schemas.microsoft.com/VisualStudio/2011/storyboarding/control"/>
-  </ds:schemaRefs>
-</ds:datastoreItem>
-</file>
-
-<file path=customXml/itemProps62.xml><?xml version="1.0" encoding="utf-8"?>
-<ds:datastoreItem xmlns:ds="http://schemas.openxmlformats.org/officeDocument/2006/customXml" ds:itemID="{3E761C2F-8061-42F7-85EE-BAC9A30475E4}">
-  <ds:schemaRefs>
-    <ds:schemaRef ds:uri="http://schemas.microsoft.com/VisualStudio/2011/storyboarding/control"/>
-  </ds:schemaRefs>
-</ds:datastoreItem>
-</file>
-
-<file path=customXml/itemProps63.xml><?xml version="1.0" encoding="utf-8"?>
-<ds:datastoreItem xmlns:ds="http://schemas.openxmlformats.org/officeDocument/2006/customXml" ds:itemID="{22F6594B-D122-43AB-ADA5-C6805282C936}">
-  <ds:schemaRefs>
-    <ds:schemaRef ds:uri="http://schemas.microsoft.com/VisualStudio/2011/storyboarding/control"/>
-  </ds:schemaRefs>
-</ds:datastoreItem>
-</file>
-
-<file path=customXml/itemProps7.xml><?xml version="1.0" encoding="utf-8"?>
-<ds:datastoreItem xmlns:ds="http://schemas.openxmlformats.org/officeDocument/2006/customXml" ds:itemID="{84CE7080-CCDC-492A-852D-717DA005AB7C}">
-  <ds:schemaRefs>
-    <ds:schemaRef ds:uri="http://schemas.microsoft.com/VisualStudio/2011/storyboarding/control"/>
-  </ds:schemaRefs>
-</ds:datastoreItem>
-</file>
-
-<file path=customXml/itemProps8.xml><?xml version="1.0" encoding="utf-8"?>
-<ds:datastoreItem xmlns:ds="http://schemas.openxmlformats.org/officeDocument/2006/customXml" ds:itemID="{AA9C0B40-9D47-4FFB-967E-27ED57125099}">
-  <ds:schemaRefs>
-    <ds:schemaRef ds:uri="http://schemas.microsoft.com/VisualStudio/2011/storyboarding/control"/>
-  </ds:schemaRefs>
-</ds:datastoreItem>
-</file>
-
-<file path=customXml/itemProps9.xml><?xml version="1.0" encoding="utf-8"?>
-<ds:datastoreItem xmlns:ds="http://schemas.openxmlformats.org/officeDocument/2006/customXml" ds:itemID="{82294229-B0C9-4ECB-8C1F-DE48DE8F63BD}">
-  <ds:schemaRefs>
-    <ds:schemaRef ds:uri="http://schemas.microsoft.com/VisualStudio/2011/storyboarding/control"/>
-  </ds:schemaRefs>
-</ds:datastoreItem>
 </file>